--- a/Template_NoButton.pptx
+++ b/Template_NoButton.pptx
@@ -5,11 +5,12 @@
     <p:sldMasterId id="2147483648" r:id="rId1"/>
   </p:sldMasterIdLst>
   <p:notesMasterIdLst>
-    <p:notesMasterId r:id="rId4"/>
+    <p:notesMasterId r:id="rId5"/>
   </p:notesMasterIdLst>
   <p:sldIdLst>
     <p:sldId id="256" r:id="rId2"/>
-    <p:sldId id="257" r:id="rId3"/>
+    <p:sldId id="258" r:id="rId3"/>
+    <p:sldId id="257" r:id="rId4"/>
   </p:sldIdLst>
   <p:sldSz cx="12192000" cy="6858000"/>
   <p:notesSz cx="6858000" cy="9144000"/>
@@ -109,6 +110,17 @@
     </a:lvl9pPr>
   </p:defaultTextStyle>
   <p:extLst>
+    <p:ext uri="{521415D9-36F7-43E2-AB2F-B90AF26B5E84}">
+      <p14:sectionLst xmlns:p14="http://schemas.microsoft.com/office/powerpoint/2010/main">
+        <p14:section name="Untitled Section" id="{57863A19-BB1E-4600-8C16-FE18A44DB79E}">
+          <p14:sldIdLst>
+            <p14:sldId id="256"/>
+            <p14:sldId id="258"/>
+            <p14:sldId id="257"/>
+          </p14:sldIdLst>
+        </p14:section>
+      </p14:sectionLst>
+    </p:ext>
     <p:ext uri="{EFAFB233-063F-42B5-8137-9DF3F51BA10A}">
       <p15:sldGuideLst xmlns:p15="http://schemas.microsoft.com/office/powerpoint/2012/main"/>
     </p:ext>
@@ -198,7 +210,7 @@
           <a:p>
             <a:fld id="{4299902A-6DB3-4A13-9B91-BEABFDA2FC16}" type="datetimeFigureOut">
               <a:rPr lang="en-US" smtClean="0"/>
-              <a:t>12/13/2023</a:t>
+              <a:t>3/9/2025</a:t>
             </a:fld>
             <a:endParaRPr lang="en-US"/>
           </a:p>
@@ -2407,12 +2419,29 @@
             <p:ph type="ctrTitle"/>
           </p:nvPr>
         </p:nvSpPr>
-        <p:spPr/>
-        <p:txBody>
-          <a:bodyPr/>
+        <p:spPr>
+          <a:xfrm>
+            <a:off x="2032000" y="910695"/>
+            <a:ext cx="8398933" cy="2387600"/>
+          </a:xfrm>
+        </p:spPr>
+        <p:txBody>
+          <a:bodyPr>
+            <a:normAutofit/>
+          </a:bodyPr>
           <a:lstStyle/>
           <a:p>
-            <a:endParaRPr lang="en-US" dirty="0"/>
+            <a:pPr>
+              <a:lnSpc>
+                <a:spcPct val="120000"/>
+              </a:lnSpc>
+            </a:pPr>
+            <a:r>
+              <a:rPr lang="en-US" sz="4000" b="0" dirty="0">
+                <a:latin typeface="Lucida Bright" panose="02040602050505020304" pitchFamily="18" charset="0"/>
+              </a:rPr>
+              <a:t>The theory of polyelectrolyte brushes and its application to intrinsically disordered proteins</a:t>
+            </a:r>
           </a:p>
         </p:txBody>
       </p:sp>
@@ -2432,12 +2461,85 @@
             <p:ph type="subTitle" idx="1"/>
           </p:nvPr>
         </p:nvSpPr>
-        <p:spPr/>
-        <p:txBody>
-          <a:bodyPr/>
+        <p:spPr>
+          <a:xfrm>
+            <a:off x="1524000" y="3886200"/>
+            <a:ext cx="9144000" cy="1163639"/>
+          </a:xfrm>
+        </p:spPr>
+        <p:txBody>
+          <a:bodyPr>
+            <a:normAutofit/>
+          </a:bodyPr>
           <a:lstStyle/>
           <a:p>
-            <a:endParaRPr lang="en-US" dirty="0"/>
+            <a:pPr>
+              <a:lnSpc>
+                <a:spcPct val="120000"/>
+              </a:lnSpc>
+              <a:spcBef>
+                <a:spcPts val="0"/>
+              </a:spcBef>
+              <a:spcAft>
+                <a:spcPts val="0"/>
+              </a:spcAft>
+            </a:pPr>
+            <a:r>
+              <a:rPr lang="en-US" sz="1800" dirty="0">
+                <a:latin typeface="Lucida Grande" pitchFamily="2" charset="0"/>
+              </a:rPr>
+              <a:t>Takashi Yokokura</a:t>
+            </a:r>
+          </a:p>
+          <a:p>
+            <a:pPr>
+              <a:lnSpc>
+                <a:spcPct val="120000"/>
+              </a:lnSpc>
+              <a:spcBef>
+                <a:spcPts val="0"/>
+              </a:spcBef>
+              <a:spcAft>
+                <a:spcPts val="0"/>
+              </a:spcAft>
+            </a:pPr>
+            <a:r>
+              <a:rPr lang="en-US" sz="1800" dirty="0">
+                <a:latin typeface="Lucida Grande" pitchFamily="2" charset="0"/>
+              </a:rPr>
+              <a:t>Prof. Rui Wang</a:t>
+            </a:r>
+          </a:p>
+          <a:p>
+            <a:pPr>
+              <a:lnSpc>
+                <a:spcPct val="120000"/>
+              </a:lnSpc>
+              <a:spcBef>
+                <a:spcPts val="0"/>
+              </a:spcBef>
+              <a:spcAft>
+                <a:spcPts val="0"/>
+              </a:spcAft>
+            </a:pPr>
+            <a:r>
+              <a:rPr lang="en-US" sz="1800" dirty="0">
+                <a:latin typeface="Lucida Grande" pitchFamily="2" charset="0"/>
+              </a:rPr>
+              <a:t>Wed, March 12</a:t>
+            </a:r>
+            <a:r>
+              <a:rPr lang="en-US" sz="1800" baseline="30000" dirty="0">
+                <a:latin typeface="Lucida Grande" pitchFamily="2" charset="0"/>
+              </a:rPr>
+              <a:t>th</a:t>
+            </a:r>
+            <a:r>
+              <a:rPr lang="en-US" sz="1800" dirty="0">
+                <a:latin typeface="Lucida Grande" pitchFamily="2" charset="0"/>
+              </a:rPr>
+              <a:t>, 2025</a:t>
+            </a:r>
           </a:p>
         </p:txBody>
       </p:sp>
@@ -2473,35 +2575,10 @@
       </p:grpSpPr>
       <p:sp>
         <p:nvSpPr>
-          <p:cNvPr id="2" name="Title 1">
-            <a:extLst>
-              <a:ext uri="{FF2B5EF4-FFF2-40B4-BE49-F238E27FC236}">
-                <a16:creationId xmlns:a16="http://schemas.microsoft.com/office/drawing/2014/main" id="{4041FD49-51CB-4608-A3ED-30B7E304CBD6}"/>
-              </a:ext>
-            </a:extLst>
-          </p:cNvPr>
-          <p:cNvSpPr>
-            <a:spLocks noGrp="1"/>
-          </p:cNvSpPr>
-          <p:nvPr>
-            <p:ph type="title"/>
-          </p:nvPr>
-        </p:nvSpPr>
-        <p:spPr/>
-        <p:txBody>
-          <a:bodyPr/>
-          <a:lstStyle/>
-          <a:p>
-            <a:endParaRPr lang="en-US" dirty="0"/>
-          </a:p>
-        </p:txBody>
-      </p:sp>
-      <p:sp>
-        <p:nvSpPr>
-          <p:cNvPr id="3" name="Slide Number Placeholder 2">
-            <a:extLst>
-              <a:ext uri="{FF2B5EF4-FFF2-40B4-BE49-F238E27FC236}">
-                <a16:creationId xmlns:a16="http://schemas.microsoft.com/office/drawing/2014/main" id="{0D80111F-C31C-4236-B41A-2BA68657A3E1}"/>
+          <p:cNvPr id="4" name="Slide Number Placeholder 3">
+            <a:extLst>
+              <a:ext uri="{FF2B5EF4-FFF2-40B4-BE49-F238E27FC236}">
+                <a16:creationId xmlns:a16="http://schemas.microsoft.com/office/drawing/2014/main" id="{785C49C7-AF97-8844-6236-1AF1287BAD60}"/>
               </a:ext>
             </a:extLst>
           </p:cNvPr>
@@ -2522,6 +2599,378 @@
               <a:t>2</a:t>
             </a:fld>
             <a:endParaRPr lang="en-US"/>
+          </a:p>
+        </p:txBody>
+      </p:sp>
+      <p:sp>
+        <p:nvSpPr>
+          <p:cNvPr id="6" name="TextBox 5">
+            <a:extLst>
+              <a:ext uri="{FF2B5EF4-FFF2-40B4-BE49-F238E27FC236}">
+                <a16:creationId xmlns:a16="http://schemas.microsoft.com/office/drawing/2014/main" id="{54211636-EA13-247A-4EDC-424BD19741D0}"/>
+              </a:ext>
+            </a:extLst>
+          </p:cNvPr>
+          <p:cNvSpPr txBox="1"/>
+          <p:nvPr/>
+        </p:nvSpPr>
+        <p:spPr>
+          <a:xfrm>
+            <a:off x="338665" y="6475254"/>
+            <a:ext cx="4953001" cy="246221"/>
+          </a:xfrm>
+          <a:prstGeom prst="rect">
+            <a:avLst/>
+          </a:prstGeom>
+          <a:noFill/>
+        </p:spPr>
+        <p:txBody>
+          <a:bodyPr wrap="square">
+            <a:spAutoFit/>
+          </a:bodyPr>
+          <a:lstStyle/>
+          <a:p>
+            <a:pPr rtl="0"/>
+            <a:r>
+              <a:rPr lang="en-US" sz="1000" b="0" i="1" u="none" strike="noStrike" dirty="0">
+                <a:effectLst/>
+                <a:latin typeface="Lucida Grande" pitchFamily="2" charset="0"/>
+                <a:ea typeface="Lucida Grande" pitchFamily="2" charset="0"/>
+                <a:cs typeface="Lucida Grande" pitchFamily="2" charset="0"/>
+              </a:rPr>
+              <a:t>Journal of Polymer Science: Part B: Polymer Physics</a:t>
+            </a:r>
+            <a:r>
+              <a:rPr lang="en-US" sz="1000" b="1" i="0" u="none" strike="noStrike" dirty="0">
+                <a:effectLst/>
+                <a:latin typeface="Lucida Grande" pitchFamily="2" charset="0"/>
+                <a:ea typeface="Lucida Grande" pitchFamily="2" charset="0"/>
+                <a:cs typeface="Lucida Grande" pitchFamily="2" charset="0"/>
+              </a:rPr>
+              <a:t> 2010</a:t>
+            </a:r>
+            <a:r>
+              <a:rPr lang="en-US" sz="1000" b="0" i="1" u="none" strike="noStrike" dirty="0">
+                <a:effectLst/>
+                <a:latin typeface="Lucida Grande" pitchFamily="2" charset="0"/>
+                <a:ea typeface="Lucida Grande" pitchFamily="2" charset="0"/>
+                <a:cs typeface="Lucida Grande" pitchFamily="2" charset="0"/>
+              </a:rPr>
+              <a:t>,</a:t>
+            </a:r>
+            <a:r>
+              <a:rPr lang="en-US" sz="1000" b="0" i="0" u="none" strike="noStrike" dirty="0">
+                <a:effectLst/>
+                <a:latin typeface="Lucida Grande" pitchFamily="2" charset="0"/>
+                <a:ea typeface="Lucida Grande" pitchFamily="2" charset="0"/>
+                <a:cs typeface="Lucida Grande" pitchFamily="2" charset="0"/>
+              </a:rPr>
+              <a:t> 48, 2548–2551</a:t>
+            </a:r>
+            <a:endParaRPr lang="en-US" sz="1000" dirty="0">
+              <a:latin typeface="Lucida Grande" pitchFamily="2" charset="0"/>
+              <a:ea typeface="Lucida Grande" pitchFamily="2" charset="0"/>
+              <a:cs typeface="Lucida Grande" pitchFamily="2" charset="0"/>
+            </a:endParaRPr>
+          </a:p>
+        </p:txBody>
+      </p:sp>
+      <p:sp>
+        <p:nvSpPr>
+          <p:cNvPr id="8" name="TextBox 7">
+            <a:extLst>
+              <a:ext uri="{FF2B5EF4-FFF2-40B4-BE49-F238E27FC236}">
+                <a16:creationId xmlns:a16="http://schemas.microsoft.com/office/drawing/2014/main" id="{5E1096A3-8E12-6D56-CD2F-96A26E847BED}"/>
+              </a:ext>
+            </a:extLst>
+          </p:cNvPr>
+          <p:cNvSpPr txBox="1"/>
+          <p:nvPr/>
+        </p:nvSpPr>
+        <p:spPr>
+          <a:xfrm>
+            <a:off x="2624666" y="1602939"/>
+            <a:ext cx="6942667" cy="3785652"/>
+          </a:xfrm>
+          <a:prstGeom prst="rect">
+            <a:avLst/>
+          </a:prstGeom>
+          <a:noFill/>
+        </p:spPr>
+        <p:txBody>
+          <a:bodyPr wrap="square">
+            <a:spAutoFit/>
+          </a:bodyPr>
+          <a:lstStyle/>
+          <a:p>
+            <a:pPr marL="0" indent="0" rtl="0">
+              <a:spcAft>
+                <a:spcPts val="1200"/>
+              </a:spcAft>
+              <a:buNone/>
+            </a:pPr>
+            <a:r>
+              <a:rPr lang="en-US" sz="2400" dirty="0">
+                <a:latin typeface="Lucida Bright" panose="02040602050505020304" pitchFamily="18" charset="0"/>
+                <a:ea typeface="Lucida Grande" pitchFamily="2" charset="0"/>
+                <a:cs typeface="Lucida Grande" pitchFamily="2" charset="0"/>
+              </a:rPr>
+              <a:t>“</a:t>
+            </a:r>
+            <a:r>
+              <a:rPr lang="en-US" sz="2400" b="0" i="0" u="none" strike="noStrike" dirty="0">
+                <a:effectLst/>
+                <a:latin typeface="Lucida Bright" panose="02040602050505020304" pitchFamily="18" charset="0"/>
+                <a:ea typeface="Lucida Grande" pitchFamily="2" charset="0"/>
+                <a:cs typeface="Lucida Grande" pitchFamily="2" charset="0"/>
+              </a:rPr>
+              <a:t>We are witnessing the merger of Physics, Chemistry, and Biology with the fastest growth occurring at the interfaces between these disciplines. </a:t>
+            </a:r>
+            <a:br>
+              <a:rPr lang="en-US" sz="2400" b="0" i="0" u="none" strike="noStrike" dirty="0">
+                <a:effectLst/>
+                <a:latin typeface="Lucida Bright" panose="02040602050505020304" pitchFamily="18" charset="0"/>
+                <a:ea typeface="Lucida Grande" pitchFamily="2" charset="0"/>
+                <a:cs typeface="Lucida Grande" pitchFamily="2" charset="0"/>
+              </a:rPr>
+            </a:br>
+            <a:br>
+              <a:rPr lang="en-US" sz="2400" b="0" i="0" u="none" strike="noStrike" dirty="0">
+                <a:effectLst/>
+                <a:latin typeface="Lucida Bright" panose="02040602050505020304" pitchFamily="18" charset="0"/>
+                <a:ea typeface="Lucida Grande" pitchFamily="2" charset="0"/>
+                <a:cs typeface="Lucida Grande" pitchFamily="2" charset="0"/>
+              </a:rPr>
+            </a:br>
+            <a:r>
+              <a:rPr lang="en-US" sz="2400" b="0" i="0" u="none" strike="noStrike" dirty="0">
+                <a:effectLst/>
+                <a:latin typeface="Lucida Bright" panose="02040602050505020304" pitchFamily="18" charset="0"/>
+                <a:ea typeface="Lucida Grande" pitchFamily="2" charset="0"/>
+                <a:cs typeface="Lucida Grande" pitchFamily="2" charset="0"/>
+              </a:rPr>
+              <a:t>Polymer physics, as the most mature part of soft matter and biophysics, is uniquely poised to be at the center of this growth.”</a:t>
+            </a:r>
+            <a:br>
+              <a:rPr lang="en-US" sz="2400" b="0" i="0" u="none" strike="noStrike" dirty="0">
+                <a:effectLst/>
+                <a:latin typeface="Lucida Bright" panose="02040602050505020304" pitchFamily="18" charset="0"/>
+                <a:ea typeface="Lucida Grande" pitchFamily="2" charset="0"/>
+                <a:cs typeface="Lucida Grande" pitchFamily="2" charset="0"/>
+              </a:rPr>
+            </a:br>
+            <a:br>
+              <a:rPr lang="en-US" sz="2400" b="0" i="0" u="none" strike="noStrike" dirty="0">
+                <a:effectLst/>
+                <a:latin typeface="Lucida Bright" panose="02040602050505020304" pitchFamily="18" charset="0"/>
+                <a:ea typeface="Lucida Grande" pitchFamily="2" charset="0"/>
+                <a:cs typeface="Lucida Grande" pitchFamily="2" charset="0"/>
+              </a:rPr>
+            </a:br>
+            <a:r>
+              <a:rPr lang="en-US" sz="2400" b="0" i="0" u="none" strike="noStrike" dirty="0">
+                <a:effectLst/>
+                <a:latin typeface="Lucida Bright" panose="02040602050505020304" pitchFamily="18" charset="0"/>
+                <a:ea typeface="Lucida Grande" pitchFamily="2" charset="0"/>
+                <a:cs typeface="Lucida Grande" pitchFamily="2" charset="0"/>
+              </a:rPr>
+              <a:t>	– M. Rubinstein</a:t>
+            </a:r>
+            <a:endParaRPr lang="en-US" sz="2400" dirty="0">
+              <a:latin typeface="Lucida Bright" panose="02040602050505020304" pitchFamily="18" charset="0"/>
+              <a:ea typeface="Lucida Grande" pitchFamily="2" charset="0"/>
+              <a:cs typeface="Lucida Grande" pitchFamily="2" charset="0"/>
+            </a:endParaRPr>
+          </a:p>
+        </p:txBody>
+      </p:sp>
+    </p:spTree>
+    <p:extLst>
+      <p:ext uri="{BB962C8B-B14F-4D97-AF65-F5344CB8AC3E}">
+        <p14:creationId xmlns:p14="http://schemas.microsoft.com/office/powerpoint/2010/main" val="2669343760"/>
+      </p:ext>
+    </p:extLst>
+  </p:cSld>
+  <p:clrMapOvr>
+    <a:masterClrMapping/>
+  </p:clrMapOvr>
+</p:sld>
+</file>
+
+<file path=ppt/slides/slide3.xml><?xml version="1.0" encoding="utf-8"?>
+<p:sld xmlns:a="http://schemas.openxmlformats.org/drawingml/2006/main" xmlns:r="http://schemas.openxmlformats.org/officeDocument/2006/relationships" xmlns:p="http://schemas.openxmlformats.org/presentationml/2006/main">
+  <p:cSld>
+    <p:spTree>
+      <p:nvGrpSpPr>
+        <p:cNvPr id="1" name=""/>
+        <p:cNvGrpSpPr/>
+        <p:nvPr/>
+      </p:nvGrpSpPr>
+      <p:grpSpPr>
+        <a:xfrm>
+          <a:off x="0" y="0"/>
+          <a:ext cx="0" cy="0"/>
+          <a:chOff x="0" y="0"/>
+          <a:chExt cx="0" cy="0"/>
+        </a:xfrm>
+      </p:grpSpPr>
+      <p:sp>
+        <p:nvSpPr>
+          <p:cNvPr id="2" name="Title 1">
+            <a:extLst>
+              <a:ext uri="{FF2B5EF4-FFF2-40B4-BE49-F238E27FC236}">
+                <a16:creationId xmlns:a16="http://schemas.microsoft.com/office/drawing/2014/main" id="{4041FD49-51CB-4608-A3ED-30B7E304CBD6}"/>
+              </a:ext>
+            </a:extLst>
+          </p:cNvPr>
+          <p:cNvSpPr>
+            <a:spLocks noGrp="1"/>
+          </p:cNvSpPr>
+          <p:nvPr>
+            <p:ph type="title"/>
+          </p:nvPr>
+        </p:nvSpPr>
+        <p:spPr/>
+        <p:txBody>
+          <a:bodyPr/>
+          <a:lstStyle/>
+          <a:p>
+            <a:r>
+              <a:rPr lang="en-US" dirty="0">
+                <a:latin typeface="Lucida Bright" panose="02040602050505020304" pitchFamily="18" charset="0"/>
+              </a:rPr>
+              <a:t>Outline</a:t>
+            </a:r>
+          </a:p>
+        </p:txBody>
+      </p:sp>
+      <p:sp>
+        <p:nvSpPr>
+          <p:cNvPr id="3" name="Slide Number Placeholder 2">
+            <a:extLst>
+              <a:ext uri="{FF2B5EF4-FFF2-40B4-BE49-F238E27FC236}">
+                <a16:creationId xmlns:a16="http://schemas.microsoft.com/office/drawing/2014/main" id="{0D80111F-C31C-4236-B41A-2BA68657A3E1}"/>
+              </a:ext>
+            </a:extLst>
+          </p:cNvPr>
+          <p:cNvSpPr>
+            <a:spLocks noGrp="1"/>
+          </p:cNvSpPr>
+          <p:nvPr>
+            <p:ph type="sldNum" sz="quarter" idx="12"/>
+          </p:nvPr>
+        </p:nvSpPr>
+        <p:spPr/>
+        <p:txBody>
+          <a:bodyPr/>
+          <a:lstStyle/>
+          <a:p>
+            <a:fld id="{5911C0E6-D9CE-431C-92CB-BB39B872F930}" type="slidenum">
+              <a:rPr lang="en-US" smtClean="0"/>
+              <a:t>3</a:t>
+            </a:fld>
+            <a:endParaRPr lang="en-US"/>
+          </a:p>
+        </p:txBody>
+      </p:sp>
+      <p:sp>
+        <p:nvSpPr>
+          <p:cNvPr id="7" name="TextBox 6">
+            <a:extLst>
+              <a:ext uri="{FF2B5EF4-FFF2-40B4-BE49-F238E27FC236}">
+                <a16:creationId xmlns:a16="http://schemas.microsoft.com/office/drawing/2014/main" id="{B8633EFC-0871-CF79-AD19-0ADC3629AA74}"/>
+              </a:ext>
+            </a:extLst>
+          </p:cNvPr>
+          <p:cNvSpPr txBox="1"/>
+          <p:nvPr/>
+        </p:nvSpPr>
+        <p:spPr>
+          <a:xfrm>
+            <a:off x="745069" y="1609725"/>
+            <a:ext cx="10608731" cy="4364977"/>
+          </a:xfrm>
+          <a:prstGeom prst="rect">
+            <a:avLst/>
+          </a:prstGeom>
+          <a:noFill/>
+        </p:spPr>
+        <p:txBody>
+          <a:bodyPr wrap="square">
+            <a:spAutoFit/>
+          </a:bodyPr>
+          <a:lstStyle/>
+          <a:p>
+            <a:pPr marL="285750" indent="-285750">
+              <a:lnSpc>
+                <a:spcPct val="120000"/>
+              </a:lnSpc>
+              <a:spcAft>
+                <a:spcPts val="2000"/>
+              </a:spcAft>
+              <a:buFont typeface="Arial" panose="020B0604020202020204" pitchFamily="34" charset="0"/>
+              <a:buChar char="•"/>
+            </a:pPr>
+            <a:r>
+              <a:rPr lang="en-US" sz="2400" dirty="0">
+                <a:latin typeface="Lucida Bright" panose="02040602050505020304" pitchFamily="18" charset="0"/>
+              </a:rPr>
+              <a:t>What are polyelectrolyte (PE) brushes? Why should we care about their physics?</a:t>
+            </a:r>
+          </a:p>
+          <a:p>
+            <a:pPr marL="285750" indent="-285750">
+              <a:lnSpc>
+                <a:spcPct val="120000"/>
+              </a:lnSpc>
+              <a:spcAft>
+                <a:spcPts val="2000"/>
+              </a:spcAft>
+              <a:buFont typeface="Arial" panose="020B0604020202020204" pitchFamily="34" charset="0"/>
+              <a:buChar char="•"/>
+            </a:pPr>
+            <a:r>
+              <a:rPr lang="en-US" sz="2400" dirty="0">
+                <a:latin typeface="Lucida Bright" panose="02040602050505020304" pitchFamily="18" charset="0"/>
+              </a:rPr>
+              <a:t>How can we study the morphology of PE brushes given the complex interactions that govern their behavior?</a:t>
+            </a:r>
+          </a:p>
+          <a:p>
+            <a:pPr marL="285750" indent="-285750">
+              <a:lnSpc>
+                <a:spcPct val="120000"/>
+              </a:lnSpc>
+              <a:spcAft>
+                <a:spcPts val="2000"/>
+              </a:spcAft>
+              <a:buFont typeface="Arial" panose="020B0604020202020204" pitchFamily="34" charset="0"/>
+              <a:buChar char="•"/>
+            </a:pPr>
+            <a:r>
+              <a:rPr lang="en-US" sz="2400" dirty="0">
+                <a:latin typeface="Lucida Bright" panose="02040602050505020304" pitchFamily="18" charset="0"/>
+              </a:rPr>
+              <a:t>How do charge, hydrophobicity, and grafting density influence the morphology and microstructure of PE brushes?</a:t>
+            </a:r>
+          </a:p>
+          <a:p>
+            <a:pPr marL="285750" indent="-285750">
+              <a:lnSpc>
+                <a:spcPct val="120000"/>
+              </a:lnSpc>
+              <a:spcAft>
+                <a:spcPts val="2000"/>
+              </a:spcAft>
+              <a:buFont typeface="Arial" panose="020B0604020202020204" pitchFamily="34" charset="0"/>
+              <a:buChar char="•"/>
+            </a:pPr>
+            <a:r>
+              <a:rPr lang="en-US" sz="2400" dirty="0">
+                <a:latin typeface="Lucida Bright" panose="02040602050505020304" pitchFamily="18" charset="0"/>
+              </a:rPr>
+              <a:t>What can polymer physics provide to the study of intrinsically disordered proteins?</a:t>
+            </a:r>
           </a:p>
         </p:txBody>
       </p:sp>
